--- a/readme/sgdpd.pptx
+++ b/readme/sgdpd.pptx
@@ -3732,7 +3732,7 @@
         </p:nvSpPr>
         <p:spPr>
           <a:xfrm>
-            <a:off x="5657540" y="1310090"/>
+            <a:off x="5371790" y="986240"/>
             <a:ext cx="5592906" cy="2365566"/>
           </a:xfrm>
           <a:prstGeom prst="rect">
@@ -3800,7 +3800,7 @@
         </p:nvSpPr>
         <p:spPr>
           <a:xfrm>
-            <a:off x="807359" y="1254476"/>
+            <a:off x="521609" y="930626"/>
             <a:ext cx="5829300" cy="1909638"/>
           </a:xfrm>
           <a:custGeom>
@@ -3908,7 +3908,7 @@
         </p:nvSpPr>
         <p:spPr>
           <a:xfrm>
-            <a:off x="10998200" y="2645127"/>
+            <a:off x="10712450" y="2321277"/>
             <a:ext cx="457200" cy="558901"/>
           </a:xfrm>
           <a:custGeom>
@@ -4012,7 +4012,7 @@
         </p:nvSpPr>
         <p:spPr>
           <a:xfrm>
-            <a:off x="4044689" y="575739"/>
+            <a:off x="4356347" y="589946"/>
             <a:ext cx="7410711" cy="734350"/>
           </a:xfrm>
           <a:prstGeom prst="rect">
@@ -4095,7 +4095,7 @@
         </p:nvSpPr>
         <p:spPr>
           <a:xfrm>
-            <a:off x="1654627" y="1625601"/>
+            <a:off x="1368877" y="1301751"/>
             <a:ext cx="4615542" cy="1538514"/>
           </a:xfrm>
           <a:custGeom>
@@ -4215,8 +4215,8 @@
         </p:nvCxnSpPr>
         <p:spPr>
           <a:xfrm>
-            <a:off x="457200" y="3182659"/>
-            <a:ext cx="11290300" cy="0"/>
+            <a:off x="171450" y="2858809"/>
+            <a:ext cx="11769090" cy="0"/>
           </a:xfrm>
           <a:prstGeom prst="straightConnector1">
             <a:avLst/>
@@ -4228,6 +4228,104 @@
           </a:ln>
         </p:spPr>
       </p:cxnSp>
+      <p:sp>
+        <p:nvSpPr>
+          <p:cNvPr id="2" name="テキスト ボックス 4">
+            <a:extLst>
+              <a:ext uri="{FF2B5EF4-FFF2-40B4-BE49-F238E27FC236}">
+                <a16:creationId xmlns:a16="http://schemas.microsoft.com/office/drawing/2014/main" id="{5675D85C-4D4B-F445-D657-7056B8054B70}"/>
+              </a:ext>
+            </a:extLst>
+          </p:cNvPr>
+          <p:cNvSpPr/>
+          <p:nvPr/>
+        </p:nvSpPr>
+        <p:spPr>
+          <a:xfrm>
+            <a:off x="9134795" y="3006141"/>
+            <a:ext cx="1282688" cy="1165237"/>
+          </a:xfrm>
+          <a:prstGeom prst="rect">
+            <a:avLst/>
+          </a:prstGeom>
+          <a:noFill/>
+          <a:ln w="0">
+            <a:noFill/>
+          </a:ln>
+        </p:spPr>
+        <p:style>
+          <a:lnRef idx="0">
+            <a:scrgbClr r="0" g="0" b="0"/>
+          </a:lnRef>
+          <a:fillRef idx="0">
+            <a:scrgbClr r="0" g="0" b="0"/>
+          </a:fillRef>
+          <a:effectRef idx="0">
+            <a:scrgbClr r="0" g="0" b="0"/>
+          </a:effectRef>
+          <a:fontRef idx="minor"/>
+        </p:style>
+        <p:txBody>
+          <a:bodyPr wrap="none" lIns="56688" tIns="28344" rIns="56688" bIns="28344" anchor="t">
+            <a:spAutoFit/>
+          </a:bodyPr>
+          <a:lstStyle/>
+          <a:p>
+            <a:pPr>
+              <a:lnSpc>
+                <a:spcPct val="100000"/>
+              </a:lnSpc>
+            </a:pPr>
+            <a:r>
+              <a:rPr lang="en-US" sz="7200" spc="-1" dirty="0">
+                <a:solidFill>
+                  <a:schemeClr val="bg1"/>
+                </a:solidFill>
+                <a:latin typeface="Microsoft JhengHei Light" panose="020B0304030504040204" pitchFamily="34" charset="-120"/>
+                <a:ea typeface="Microsoft JhengHei Light" panose="020B0304030504040204" pitchFamily="34" charset="-120"/>
+              </a:rPr>
+              <a:t>for</a:t>
+            </a:r>
+          </a:p>
+        </p:txBody>
+      </p:sp>
+      <p:pic>
+        <p:nvPicPr>
+          <p:cNvPr id="5" name="図 4">
+            <a:extLst>
+              <a:ext uri="{FF2B5EF4-FFF2-40B4-BE49-F238E27FC236}">
+                <a16:creationId xmlns:a16="http://schemas.microsoft.com/office/drawing/2014/main" id="{098A40E2-A8E2-4F59-3E9E-D4B6C094D591}"/>
+              </a:ext>
+            </a:extLst>
+          </p:cNvPr>
+          <p:cNvPicPr>
+            <a:picLocks noChangeAspect="1"/>
+          </p:cNvPicPr>
+          <p:nvPr/>
+        </p:nvPicPr>
+        <p:blipFill>
+          <a:blip r:embed="rId2" cstate="print">
+            <a:biLevel thresh="25000"/>
+            <a:extLst>
+              <a:ext uri="{28A0092B-C50C-407E-A947-70E740481C1C}">
+                <a14:useLocalDpi xmlns:a14="http://schemas.microsoft.com/office/drawing/2010/main" val="0"/>
+              </a:ext>
+            </a:extLst>
+          </a:blip>
+          <a:stretch>
+            <a:fillRect/>
+          </a:stretch>
+        </p:blipFill>
+        <p:spPr>
+          <a:xfrm>
+            <a:off x="10591806" y="3091806"/>
+            <a:ext cx="1282688" cy="993906"/>
+          </a:xfrm>
+          <a:prstGeom prst="rect">
+            <a:avLst/>
+          </a:prstGeom>
+        </p:spPr>
+      </p:pic>
     </p:spTree>
   </p:cSld>
   <p:clrMapOvr>
